--- a/Data Challenge.pptx
+++ b/Data Challenge.pptx
@@ -850,11 +850,11 @@
           <c:showPercent val="0"/>
           <c:showBubbleSize val="0"/>
         </c:dLbls>
-        <c:axId val="116534272"/>
-        <c:axId val="116581504"/>
+        <c:axId val="123291520"/>
+        <c:axId val="126054400"/>
       </c:scatterChart>
       <c:valAx>
-        <c:axId val="116534272"/>
+        <c:axId val="123291520"/>
         <c:scaling>
           <c:orientation val="minMax"/>
         </c:scaling>
@@ -888,12 +888,12 @@
         <c:majorTickMark val="out"/>
         <c:minorTickMark val="none"/>
         <c:tickLblPos val="nextTo"/>
-        <c:crossAx val="116581504"/>
+        <c:crossAx val="126054400"/>
         <c:crosses val="autoZero"/>
         <c:crossBetween val="midCat"/>
       </c:valAx>
       <c:valAx>
-        <c:axId val="116581504"/>
+        <c:axId val="126054400"/>
         <c:scaling>
           <c:orientation val="minMax"/>
         </c:scaling>
@@ -928,7 +928,7 @@
         <c:majorTickMark val="out"/>
         <c:minorTickMark val="none"/>
         <c:tickLblPos val="nextTo"/>
-        <c:crossAx val="116534272"/>
+        <c:crossAx val="123291520"/>
         <c:crosses val="autoZero"/>
         <c:crossBetween val="midCat"/>
       </c:valAx>
@@ -5443,11 +5443,7 @@
           <a:p>
             <a:r>
               <a:rPr lang="en-US" dirty="0" smtClean="0"/>
-              <a:t>Data </a:t>
-            </a:r>
-            <a:r>
-              <a:rPr lang="en-US" dirty="0" smtClean="0"/>
-              <a:t>Challenge</a:t>
+              <a:t>Data Challenge</a:t>
             </a:r>
             <a:endParaRPr lang="en-US" dirty="0"/>
           </a:p>
@@ -5650,7 +5646,7 @@
         <p:spPr/>
         <p:txBody>
           <a:bodyPr>
-            <a:normAutofit/>
+            <a:normAutofit lnSpcReduction="10000"/>
           </a:bodyPr>
           <a:lstStyle/>
           <a:p>
@@ -5673,6 +5669,26 @@
             <a:r>
               <a:rPr lang="en-US" sz="2400" dirty="0"/>
               <a:t>entering the market. </a:t>
+            </a:r>
+            <a:r>
+              <a:rPr lang="en-US" sz="2400" dirty="0" smtClean="0"/>
+              <a:t>Accuracy </a:t>
+            </a:r>
+            <a:r>
+              <a:rPr lang="en-US" sz="2400" smtClean="0"/>
+              <a:t>should increase </a:t>
+            </a:r>
+            <a:r>
+              <a:rPr lang="en-US" sz="2400"/>
+              <a:t>o</a:t>
+            </a:r>
+            <a:r>
+              <a:rPr lang="en-US" sz="2400" smtClean="0"/>
+              <a:t>ver </a:t>
+            </a:r>
+            <a:r>
+              <a:rPr lang="en-US" sz="2400" dirty="0" smtClean="0"/>
+              <a:t>time.</a:t>
             </a:r>
             <a:endParaRPr lang="en-US" sz="2400" dirty="0" smtClean="0"/>
           </a:p>
